--- a/slide.pptx
+++ b/slide.pptx
@@ -335,7 +335,7 @@
           <a:p>
             <a:fld id="{8482949B-D298-FE4E-BE14-7F70BBACB8B1}" type="datetimeFigureOut">
               <a:rPr kumimoji="1" lang="ja-JP" altLang="en-US" smtClean="0"/>
-              <a:t>12/06/30</a:t>
+              <a:t>2012/09/28</a:t>
             </a:fld>
             <a:endParaRPr kumimoji="1" lang="ja-JP" altLang="en-US"/>
           </a:p>
@@ -656,7 +656,7 @@
           <a:p>
             <a:fld id="{8482949B-D298-FE4E-BE14-7F70BBACB8B1}" type="datetimeFigureOut">
               <a:rPr kumimoji="1" lang="ja-JP" altLang="en-US" smtClean="0"/>
-              <a:t>12/06/30</a:t>
+              <a:t>2012/09/28</a:t>
             </a:fld>
             <a:endParaRPr kumimoji="1" lang="ja-JP" altLang="en-US"/>
           </a:p>
@@ -933,7 +933,7 @@
           <a:p>
             <a:fld id="{8482949B-D298-FE4E-BE14-7F70BBACB8B1}" type="datetimeFigureOut">
               <a:rPr kumimoji="1" lang="ja-JP" altLang="en-US" smtClean="0"/>
-              <a:t>12/06/30</a:t>
+              <a:t>2012/09/28</a:t>
             </a:fld>
             <a:endParaRPr kumimoji="1" lang="ja-JP" altLang="en-US"/>
           </a:p>
@@ -1227,7 +1227,7 @@
           <a:p>
             <a:fld id="{8482949B-D298-FE4E-BE14-7F70BBACB8B1}" type="datetimeFigureOut">
               <a:rPr kumimoji="1" lang="ja-JP" altLang="en-US" smtClean="0"/>
-              <a:t>12/06/30</a:t>
+              <a:t>2012/09/28</a:t>
             </a:fld>
             <a:endParaRPr kumimoji="1" lang="ja-JP" altLang="en-US"/>
           </a:p>
@@ -1556,7 +1556,7 @@
           <a:p>
             <a:fld id="{8482949B-D298-FE4E-BE14-7F70BBACB8B1}" type="datetimeFigureOut">
               <a:rPr kumimoji="1" lang="ja-JP" altLang="en-US" smtClean="0"/>
-              <a:t>12/06/30</a:t>
+              <a:t>2012/09/28</a:t>
             </a:fld>
             <a:endParaRPr kumimoji="1" lang="ja-JP" altLang="en-US"/>
           </a:p>
@@ -1839,7 +1839,7 @@
           <a:p>
             <a:fld id="{8482949B-D298-FE4E-BE14-7F70BBACB8B1}" type="datetimeFigureOut">
               <a:rPr kumimoji="1" lang="ja-JP" altLang="en-US" smtClean="0"/>
-              <a:t>12/06/30</a:t>
+              <a:t>2012/09/28</a:t>
             </a:fld>
             <a:endParaRPr kumimoji="1" lang="ja-JP" altLang="en-US"/>
           </a:p>
@@ -2050,7 +2050,7 @@
           <a:p>
             <a:fld id="{8482949B-D298-FE4E-BE14-7F70BBACB8B1}" type="datetimeFigureOut">
               <a:rPr kumimoji="1" lang="ja-JP" altLang="en-US" smtClean="0"/>
-              <a:t>12/06/30</a:t>
+              <a:t>2012/09/28</a:t>
             </a:fld>
             <a:endParaRPr kumimoji="1" lang="ja-JP" altLang="en-US"/>
           </a:p>
@@ -2251,7 +2251,7 @@
           <a:p>
             <a:fld id="{8482949B-D298-FE4E-BE14-7F70BBACB8B1}" type="datetimeFigureOut">
               <a:rPr kumimoji="1" lang="ja-JP" altLang="en-US" smtClean="0"/>
-              <a:t>12/06/30</a:t>
+              <a:t>2012/09/28</a:t>
             </a:fld>
             <a:endParaRPr kumimoji="1" lang="ja-JP" altLang="en-US"/>
           </a:p>
@@ -2520,7 +2520,7 @@
           <a:p>
             <a:fld id="{8482949B-D298-FE4E-BE14-7F70BBACB8B1}" type="datetimeFigureOut">
               <a:rPr kumimoji="1" lang="ja-JP" altLang="en-US" smtClean="0"/>
-              <a:t>12/06/30</a:t>
+              <a:t>2012/09/28</a:t>
             </a:fld>
             <a:endParaRPr kumimoji="1" lang="ja-JP" altLang="en-US"/>
           </a:p>
@@ -2827,7 +2827,7 @@
           <a:p>
             <a:fld id="{8482949B-D298-FE4E-BE14-7F70BBACB8B1}" type="datetimeFigureOut">
               <a:rPr kumimoji="1" lang="ja-JP" altLang="en-US" smtClean="0"/>
-              <a:t>12/06/30</a:t>
+              <a:t>2012/09/28</a:t>
             </a:fld>
             <a:endParaRPr kumimoji="1" lang="ja-JP" altLang="en-US"/>
           </a:p>
@@ -3183,7 +3183,7 @@
           <a:p>
             <a:fld id="{8482949B-D298-FE4E-BE14-7F70BBACB8B1}" type="datetimeFigureOut">
               <a:rPr kumimoji="1" lang="ja-JP" altLang="en-US" smtClean="0"/>
-              <a:t>12/06/30</a:t>
+              <a:t>2012/09/28</a:t>
             </a:fld>
             <a:endParaRPr kumimoji="1" lang="ja-JP" altLang="en-US"/>
           </a:p>
@@ -3677,7 +3677,7 @@
           <a:p>
             <a:fld id="{8482949B-D298-FE4E-BE14-7F70BBACB8B1}" type="datetimeFigureOut">
               <a:rPr kumimoji="1" lang="ja-JP" altLang="en-US" smtClean="0"/>
-              <a:t>12/06/30</a:t>
+              <a:t>2012/09/28</a:t>
             </a:fld>
             <a:endParaRPr kumimoji="1" lang="ja-JP" altLang="en-US"/>
           </a:p>
@@ -4023,7 +4023,7 @@
           <a:p>
             <a:fld id="{8482949B-D298-FE4E-BE14-7F70BBACB8B1}" type="datetimeFigureOut">
               <a:rPr kumimoji="1" lang="ja-JP" altLang="en-US" smtClean="0"/>
-              <a:t>12/06/30</a:t>
+              <a:t>2012/09/28</a:t>
             </a:fld>
             <a:endParaRPr kumimoji="1" lang="ja-JP" altLang="en-US"/>
           </a:p>
@@ -4113,7 +4113,7 @@
           <a:p>
             <a:fld id="{8482949B-D298-FE4E-BE14-7F70BBACB8B1}" type="datetimeFigureOut">
               <a:rPr kumimoji="1" lang="ja-JP" altLang="en-US" smtClean="0"/>
-              <a:t>12/06/30</a:t>
+              <a:t>2012/09/28</a:t>
             </a:fld>
             <a:endParaRPr kumimoji="1" lang="ja-JP" altLang="en-US"/>
           </a:p>
@@ -4482,7 +4482,7 @@
           <a:p>
             <a:fld id="{8482949B-D298-FE4E-BE14-7F70BBACB8B1}" type="datetimeFigureOut">
               <a:rPr kumimoji="1" lang="ja-JP" altLang="en-US" smtClean="0"/>
-              <a:t>12/06/30</a:t>
+              <a:t>2012/09/28</a:t>
             </a:fld>
             <a:endParaRPr kumimoji="1" lang="ja-JP" altLang="en-US"/>
           </a:p>
@@ -4726,7 +4726,7 @@
           <a:p>
             <a:fld id="{8482949B-D298-FE4E-BE14-7F70BBACB8B1}" type="datetimeFigureOut">
               <a:rPr kumimoji="1" lang="ja-JP" altLang="en-US" smtClean="0"/>
-              <a:t>12/06/30</a:t>
+              <a:t>2012/09/28</a:t>
             </a:fld>
             <a:endParaRPr kumimoji="1" lang="ja-JP" altLang="en-US"/>
           </a:p>
@@ -5346,11 +5346,11 @@
   <p:clrMapOvr>
     <a:masterClrMapping/>
   </p:clrMapOvr>
-  <mc:AlternateContent xmlns:mc="http://schemas.openxmlformats.org/markup-compatibility/2006">
-    <mc:Choice xmlns:p14="http://schemas.microsoft.com/office/powerpoint/2010/main" Requires="p14">
+  <mc:AlternateContent xmlns:mc="http://schemas.openxmlformats.org/markup-compatibility/2006" xmlns:p14="http://schemas.microsoft.com/office/powerpoint/2010/main">
+    <mc:Choice Requires="p14">
       <p:transition spd="slow" p14:dur="2000"/>
     </mc:Choice>
-    <mc:Fallback>
+    <mc:Fallback xmlns="">
       <p:transition xmlns:p14="http://schemas.microsoft.com/office/powerpoint/2010/main" spd="slow"/>
     </mc:Fallback>
   </mc:AlternateContent>
@@ -5668,7 +5668,18 @@
           <a:p>
             <a:r>
               <a:rPr kumimoji="1" lang="ja-JP" altLang="en-US" dirty="0" smtClean="0"/>
-              <a:t>現場で使っている人の体験談やノウハウ</a:t>
+              <a:t>現場で使っている人の体験談や</a:t>
+            </a:r>
+            <a:r>
+              <a:rPr kumimoji="1" lang="ja-JP" altLang="en-US" dirty="0" smtClean="0"/>
+              <a:t>ノウハウ</a:t>
+            </a:r>
+            <a:endParaRPr kumimoji="1" lang="en-US" altLang="ja-JP" dirty="0" smtClean="0"/>
+          </a:p>
+          <a:p>
+            <a:r>
+              <a:rPr lang="ja-JP" altLang="en-US" dirty="0" smtClean="0"/>
+              <a:t>ウェブサービスと連携したモバイル向けサービスの知識</a:t>
             </a:r>
             <a:endParaRPr kumimoji="1" lang="ja-JP" altLang="en-US" dirty="0"/>
           </a:p>
